--- a/종합설계 프로토타입 세션 4-11 (이현중, 김하은, 조윤선).pptx
+++ b/종합설계 프로토타입 세션 4-11 (이현중, 김하은, 조윤선).pptx
@@ -231,7 +231,7 @@
             <a:fld id="{EBDC57CC-808A-4BED-9E7A-1B37C44020CC}" type="datetimeFigureOut">
               <a:rPr lang="ko-KR" altLang="en-US" smtClean="0"/>
               <a:pPr/>
-              <a:t>2018-05-03</a:t>
+              <a:t>2018-05-31</a:t>
             </a:fld>
             <a:endParaRPr lang="ko-KR" altLang="en-US"/>
           </a:p>
@@ -2399,7 +2399,7 @@
             <a:fld id="{E7DD02DF-752E-41D6-9262-3727A5B796EF}" type="datetimeFigureOut">
               <a:rPr lang="ko-KR" altLang="en-US" smtClean="0"/>
               <a:pPr/>
-              <a:t>2018-05-03</a:t>
+              <a:t>2018-05-31</a:t>
             </a:fld>
             <a:endParaRPr lang="ko-KR" altLang="en-US"/>
           </a:p>
@@ -2566,7 +2566,7 @@
             <a:fld id="{E7DD02DF-752E-41D6-9262-3727A5B796EF}" type="datetimeFigureOut">
               <a:rPr lang="ko-KR" altLang="en-US" smtClean="0"/>
               <a:pPr/>
-              <a:t>2018-05-03</a:t>
+              <a:t>2018-05-31</a:t>
             </a:fld>
             <a:endParaRPr lang="ko-KR" altLang="en-US"/>
           </a:p>
@@ -2743,7 +2743,7 @@
             <a:fld id="{E7DD02DF-752E-41D6-9262-3727A5B796EF}" type="datetimeFigureOut">
               <a:rPr lang="ko-KR" altLang="en-US" smtClean="0"/>
               <a:pPr/>
-              <a:t>2018-05-03</a:t>
+              <a:t>2018-05-31</a:t>
             </a:fld>
             <a:endParaRPr lang="ko-KR" altLang="en-US"/>
           </a:p>
@@ -2910,7 +2910,7 @@
             <a:fld id="{E7DD02DF-752E-41D6-9262-3727A5B796EF}" type="datetimeFigureOut">
               <a:rPr lang="ko-KR" altLang="en-US" smtClean="0"/>
               <a:pPr/>
-              <a:t>2018-05-03</a:t>
+              <a:t>2018-05-31</a:t>
             </a:fld>
             <a:endParaRPr lang="ko-KR" altLang="en-US"/>
           </a:p>
@@ -3153,7 +3153,7 @@
             <a:fld id="{E7DD02DF-752E-41D6-9262-3727A5B796EF}" type="datetimeFigureOut">
               <a:rPr lang="ko-KR" altLang="en-US" smtClean="0"/>
               <a:pPr/>
-              <a:t>2018-05-03</a:t>
+              <a:t>2018-05-31</a:t>
             </a:fld>
             <a:endParaRPr lang="ko-KR" altLang="en-US"/>
           </a:p>
@@ -3438,7 +3438,7 @@
             <a:fld id="{E7DD02DF-752E-41D6-9262-3727A5B796EF}" type="datetimeFigureOut">
               <a:rPr lang="ko-KR" altLang="en-US" smtClean="0"/>
               <a:pPr/>
-              <a:t>2018-05-03</a:t>
+              <a:t>2018-05-31</a:t>
             </a:fld>
             <a:endParaRPr lang="ko-KR" altLang="en-US"/>
           </a:p>
@@ -3857,7 +3857,7 @@
             <a:fld id="{E7DD02DF-752E-41D6-9262-3727A5B796EF}" type="datetimeFigureOut">
               <a:rPr lang="ko-KR" altLang="en-US" smtClean="0"/>
               <a:pPr/>
-              <a:t>2018-05-03</a:t>
+              <a:t>2018-05-31</a:t>
             </a:fld>
             <a:endParaRPr lang="ko-KR" altLang="en-US"/>
           </a:p>
@@ -3972,7 +3972,7 @@
             <a:fld id="{E7DD02DF-752E-41D6-9262-3727A5B796EF}" type="datetimeFigureOut">
               <a:rPr lang="ko-KR" altLang="en-US" smtClean="0"/>
               <a:pPr/>
-              <a:t>2018-05-03</a:t>
+              <a:t>2018-05-31</a:t>
             </a:fld>
             <a:endParaRPr lang="ko-KR" altLang="en-US"/>
           </a:p>
@@ -4064,7 +4064,7 @@
             <a:fld id="{E7DD02DF-752E-41D6-9262-3727A5B796EF}" type="datetimeFigureOut">
               <a:rPr lang="ko-KR" altLang="en-US" smtClean="0"/>
               <a:pPr/>
-              <a:t>2018-05-03</a:t>
+              <a:t>2018-05-31</a:t>
             </a:fld>
             <a:endParaRPr lang="ko-KR" altLang="en-US"/>
           </a:p>
@@ -4338,7 +4338,7 @@
             <a:fld id="{E7DD02DF-752E-41D6-9262-3727A5B796EF}" type="datetimeFigureOut">
               <a:rPr lang="ko-KR" altLang="en-US" smtClean="0"/>
               <a:pPr/>
-              <a:t>2018-05-03</a:t>
+              <a:t>2018-05-31</a:t>
             </a:fld>
             <a:endParaRPr lang="ko-KR" altLang="en-US"/>
           </a:p>
@@ -4588,7 +4588,7 @@
             <a:fld id="{E7DD02DF-752E-41D6-9262-3727A5B796EF}" type="datetimeFigureOut">
               <a:rPr lang="ko-KR" altLang="en-US" smtClean="0"/>
               <a:pPr/>
-              <a:t>2018-05-03</a:t>
+              <a:t>2018-05-31</a:t>
             </a:fld>
             <a:endParaRPr lang="ko-KR" altLang="en-US"/>
           </a:p>
@@ -4801,7 +4801,7 @@
             <a:fld id="{E7DD02DF-752E-41D6-9262-3727A5B796EF}" type="datetimeFigureOut">
               <a:rPr lang="ko-KR" altLang="en-US" smtClean="0"/>
               <a:pPr/>
-              <a:t>2018-05-03</a:t>
+              <a:t>2018-05-31</a:t>
             </a:fld>
             <a:endParaRPr lang="ko-KR" altLang="en-US"/>
           </a:p>
@@ -10740,8 +10740,8 @@
         </p:nvSpPr>
         <p:spPr>
           <a:xfrm>
-            <a:off x="611560" y="1700808"/>
-            <a:ext cx="7920880" cy="6186309"/>
+            <a:off x="611560" y="1790018"/>
+            <a:ext cx="7920880" cy="4154984"/>
           </a:xfrm>
           <a:prstGeom prst="rect">
             <a:avLst/>
@@ -10904,24 +10904,6 @@
               <a:rPr lang="en-US" altLang="ko-KR" sz="2400" dirty="0" smtClean="0"/>
               <a:t>haeuni777</a:t>
             </a:r>
-            <a:endParaRPr lang="en-US" altLang="ko-KR" sz="2400" dirty="0"/>
-          </a:p>
-          <a:p>
-            <a:endParaRPr lang="en-US" altLang="ko-KR" sz="2400" b="1" dirty="0" smtClean="0"/>
-          </a:p>
-          <a:p>
-            <a:endParaRPr lang="en-US" altLang="ko-KR" sz="2400" b="1" dirty="0"/>
-          </a:p>
-          <a:p>
-            <a:endParaRPr lang="en-US" altLang="ko-KR" sz="2400" b="1" dirty="0" smtClean="0"/>
-          </a:p>
-          <a:p>
-            <a:endParaRPr lang="en-US" altLang="ko-KR" sz="2400" b="1" dirty="0" smtClean="0"/>
-          </a:p>
-          <a:p>
-            <a:endParaRPr lang="en-US" altLang="ko-KR" dirty="0" smtClean="0"/>
-          </a:p>
-          <a:p>
             <a:endParaRPr lang="ko-KR" altLang="en-US" dirty="0"/>
           </a:p>
         </p:txBody>
@@ -12764,11 +12746,7 @@
             </a:r>
             <a:r>
               <a:rPr lang="ko-KR" altLang="en-US" dirty="0" smtClean="0"/>
-              <a:t>완벽한 </a:t>
-            </a:r>
-            <a:r>
-              <a:rPr lang="ko-KR" altLang="en-US" dirty="0" smtClean="0"/>
-              <a:t>문장이 되어야 정답 처리</a:t>
+              <a:t>완벽한 문장이 되어야 정답 처리</a:t>
             </a:r>
             <a:endParaRPr lang="en-US" altLang="ko-KR" dirty="0" smtClean="0"/>
           </a:p>
